--- a/docs/cartographer tutorial.pptx
+++ b/docs/cartographer tutorial.pptx
@@ -17,6 +17,10 @@
     <p:sldId id="276" r:id="rId11"/>
     <p:sldId id="260" r:id="rId12"/>
     <p:sldId id="265" r:id="rId13"/>
+    <p:sldId id="277" r:id="rId14"/>
+    <p:sldId id="278" r:id="rId15"/>
+    <p:sldId id="281" r:id="rId16"/>
+    <p:sldId id="279" r:id="rId17"/>
   </p:sldIdLst>
   <p:sldSz cx="12192000" cy="6858000"/>
   <p:notesSz cx="6858000" cy="9144000"/>
@@ -115,6 +119,11 @@
       </a:defRPr>
     </a:lvl9pPr>
   </p:defaultTextStyle>
+  <p:extLst>
+    <p:ext uri="{EFAFB233-063F-42B5-8137-9DF3F51BA10A}">
+      <p15:sldGuideLst xmlns:p15="http://schemas.microsoft.com/office/powerpoint/2012/main"/>
+    </p:ext>
+  </p:extLst>
 </p:presentation>
 </file>
 
@@ -265,7 +274,7 @@
           <a:p>
             <a:fld id="{ED499211-3353-4FEB-A129-6532501B7E8E}" type="datetimeFigureOut">
               <a:rPr lang="zh-CN" altLang="en-US" smtClean="0"/>
-              <a:t>2021/4/14</a:t>
+              <a:t>2021/4/16</a:t>
             </a:fld>
             <a:endParaRPr lang="zh-CN" altLang="en-US"/>
           </a:p>
@@ -463,7 +472,7 @@
           <a:p>
             <a:fld id="{ED499211-3353-4FEB-A129-6532501B7E8E}" type="datetimeFigureOut">
               <a:rPr lang="zh-CN" altLang="en-US" smtClean="0"/>
-              <a:t>2021/4/14</a:t>
+              <a:t>2021/4/16</a:t>
             </a:fld>
             <a:endParaRPr lang="zh-CN" altLang="en-US"/>
           </a:p>
@@ -671,7 +680,7 @@
           <a:p>
             <a:fld id="{ED499211-3353-4FEB-A129-6532501B7E8E}" type="datetimeFigureOut">
               <a:rPr lang="zh-CN" altLang="en-US" smtClean="0"/>
-              <a:t>2021/4/14</a:t>
+              <a:t>2021/4/16</a:t>
             </a:fld>
             <a:endParaRPr lang="zh-CN" altLang="en-US"/>
           </a:p>
@@ -869,7 +878,7 @@
           <a:p>
             <a:fld id="{ED499211-3353-4FEB-A129-6532501B7E8E}" type="datetimeFigureOut">
               <a:rPr lang="zh-CN" altLang="en-US" smtClean="0"/>
-              <a:t>2021/4/14</a:t>
+              <a:t>2021/4/16</a:t>
             </a:fld>
             <a:endParaRPr lang="zh-CN" altLang="en-US"/>
           </a:p>
@@ -1144,7 +1153,7 @@
           <a:p>
             <a:fld id="{ED499211-3353-4FEB-A129-6532501B7E8E}" type="datetimeFigureOut">
               <a:rPr lang="zh-CN" altLang="en-US" smtClean="0"/>
-              <a:t>2021/4/14</a:t>
+              <a:t>2021/4/16</a:t>
             </a:fld>
             <a:endParaRPr lang="zh-CN" altLang="en-US"/>
           </a:p>
@@ -1409,7 +1418,7 @@
           <a:p>
             <a:fld id="{ED499211-3353-4FEB-A129-6532501B7E8E}" type="datetimeFigureOut">
               <a:rPr lang="zh-CN" altLang="en-US" smtClean="0"/>
-              <a:t>2021/4/14</a:t>
+              <a:t>2021/4/16</a:t>
             </a:fld>
             <a:endParaRPr lang="zh-CN" altLang="en-US"/>
           </a:p>
@@ -1821,7 +1830,7 @@
           <a:p>
             <a:fld id="{ED499211-3353-4FEB-A129-6532501B7E8E}" type="datetimeFigureOut">
               <a:rPr lang="zh-CN" altLang="en-US" smtClean="0"/>
-              <a:t>2021/4/14</a:t>
+              <a:t>2021/4/16</a:t>
             </a:fld>
             <a:endParaRPr lang="zh-CN" altLang="en-US"/>
           </a:p>
@@ -1962,7 +1971,7 @@
           <a:p>
             <a:fld id="{ED499211-3353-4FEB-A129-6532501B7E8E}" type="datetimeFigureOut">
               <a:rPr lang="zh-CN" altLang="en-US" smtClean="0"/>
-              <a:t>2021/4/14</a:t>
+              <a:t>2021/4/16</a:t>
             </a:fld>
             <a:endParaRPr lang="zh-CN" altLang="en-US"/>
           </a:p>
@@ -2075,7 +2084,7 @@
           <a:p>
             <a:fld id="{ED499211-3353-4FEB-A129-6532501B7E8E}" type="datetimeFigureOut">
               <a:rPr lang="zh-CN" altLang="en-US" smtClean="0"/>
-              <a:t>2021/4/14</a:t>
+              <a:t>2021/4/16</a:t>
             </a:fld>
             <a:endParaRPr lang="zh-CN" altLang="en-US"/>
           </a:p>
@@ -2386,7 +2395,7 @@
           <a:p>
             <a:fld id="{ED499211-3353-4FEB-A129-6532501B7E8E}" type="datetimeFigureOut">
               <a:rPr lang="zh-CN" altLang="en-US" smtClean="0"/>
-              <a:t>2021/4/14</a:t>
+              <a:t>2021/4/16</a:t>
             </a:fld>
             <a:endParaRPr lang="zh-CN" altLang="en-US"/>
           </a:p>
@@ -2674,7 +2683,7 @@
           <a:p>
             <a:fld id="{ED499211-3353-4FEB-A129-6532501B7E8E}" type="datetimeFigureOut">
               <a:rPr lang="zh-CN" altLang="en-US" smtClean="0"/>
-              <a:t>2021/4/14</a:t>
+              <a:t>2021/4/16</a:t>
             </a:fld>
             <a:endParaRPr lang="zh-CN" altLang="en-US"/>
           </a:p>
@@ -2915,7 +2924,7 @@
           <a:p>
             <a:fld id="{ED499211-3353-4FEB-A129-6532501B7E8E}" type="datetimeFigureOut">
               <a:rPr lang="zh-CN" altLang="en-US" smtClean="0"/>
-              <a:t>2021/4/14</a:t>
+              <a:t>2021/4/16</a:t>
             </a:fld>
             <a:endParaRPr lang="zh-CN" altLang="en-US"/>
           </a:p>
@@ -4258,7 +4267,7 @@
           <a:graphicData uri="http://schemas.openxmlformats.org/presentationml/2006/ole">
             <mc:AlternateContent xmlns:mc="http://schemas.openxmlformats.org/markup-compatibility/2006">
               <mc:Choice xmlns:v="urn:schemas-microsoft-com:vml" Requires="v">
-                <p:oleObj spid="_x0000_s1035" name="AxMath" r:id="rId3" imgW="3083040" imgH="476640" progId="Equation.AxMath">
+                <p:oleObj spid="_x0000_s1043" name="AxMath" r:id="rId3" imgW="3083040" imgH="476640" progId="Equation.AxMath">
                   <p:embed/>
                 </p:oleObj>
               </mc:Choice>
@@ -4584,6 +4593,698 @@
 </p:sld>
 </file>
 
+<file path=ppt/slides/slide13.xml><?xml version="1.0" encoding="utf-8"?>
+<p:sld xmlns:a="http://schemas.openxmlformats.org/drawingml/2006/main" xmlns:r="http://schemas.openxmlformats.org/officeDocument/2006/relationships" xmlns:p="http://schemas.openxmlformats.org/presentationml/2006/main">
+  <p:cSld>
+    <p:spTree>
+      <p:nvGrpSpPr>
+        <p:cNvPr id="1" name=""/>
+        <p:cNvGrpSpPr/>
+        <p:nvPr/>
+      </p:nvGrpSpPr>
+      <p:grpSpPr>
+        <a:xfrm>
+          <a:off x="0" y="0"/>
+          <a:ext cx="0" cy="0"/>
+          <a:chOff x="0" y="0"/>
+          <a:chExt cx="0" cy="0"/>
+        </a:xfrm>
+      </p:grpSpPr>
+      <p:grpSp>
+        <p:nvGrpSpPr>
+          <p:cNvPr id="2" name="组合 1">
+            <a:extLst>
+              <a:ext uri="{FF2B5EF4-FFF2-40B4-BE49-F238E27FC236}">
+                <a16:creationId xmlns:a16="http://schemas.microsoft.com/office/drawing/2014/main" id="{223B8921-8BA3-419A-B2D5-FA25889A13DE}"/>
+              </a:ext>
+            </a:extLst>
+          </p:cNvPr>
+          <p:cNvGrpSpPr/>
+          <p:nvPr/>
+        </p:nvGrpSpPr>
+        <p:grpSpPr>
+          <a:xfrm>
+            <a:off x="749300" y="461010"/>
+            <a:ext cx="10587484" cy="1200329"/>
+            <a:chOff x="749300" y="461010"/>
+            <a:chExt cx="10325735" cy="1200329"/>
+          </a:xfrm>
+        </p:grpSpPr>
+        <p:sp>
+          <p:nvSpPr>
+            <p:cNvPr id="3" name="文本框 2">
+              <a:extLst>
+                <a:ext uri="{FF2B5EF4-FFF2-40B4-BE49-F238E27FC236}">
+                  <a16:creationId xmlns:a16="http://schemas.microsoft.com/office/drawing/2014/main" id="{7EB88DAC-38D4-4793-8803-06667F8CC346}"/>
+                </a:ext>
+              </a:extLst>
+            </p:cNvPr>
+            <p:cNvSpPr txBox="1"/>
+            <p:nvPr/>
+          </p:nvSpPr>
+          <p:spPr>
+            <a:xfrm>
+              <a:off x="749300" y="461010"/>
+              <a:ext cx="2310978" cy="1200329"/>
+            </a:xfrm>
+            <a:prstGeom prst="rect">
+              <a:avLst/>
+            </a:prstGeom>
+            <a:noFill/>
+          </p:spPr>
+          <p:txBody>
+            <a:bodyPr wrap="none" rtlCol="0">
+              <a:spAutoFit/>
+            </a:bodyPr>
+            <a:lstStyle/>
+            <a:p>
+              <a:r>
+                <a:rPr lang="en-US" altLang="zh-CN" sz="3600" b="1" dirty="0">
+                  <a:solidFill>
+                    <a:srgbClr val="FF0000"/>
+                  </a:solidFill>
+                </a:rPr>
+                <a:t>Gaussians </a:t>
+              </a:r>
+              <a:br>
+                <a:rPr lang="en-US" altLang="zh-CN" sz="3600" dirty="0"/>
+              </a:br>
+              <a:endParaRPr lang="en-US" altLang="zh-CN" sz="3600" b="1" dirty="0">
+                <a:solidFill>
+                  <a:srgbClr val="FF0000"/>
+                </a:solidFill>
+              </a:endParaRPr>
+            </a:p>
+          </p:txBody>
+        </p:sp>
+        <p:cxnSp>
+          <p:nvCxnSpPr>
+            <p:cNvPr id="4" name="直接连接符 3">
+              <a:extLst>
+                <a:ext uri="{FF2B5EF4-FFF2-40B4-BE49-F238E27FC236}">
+                  <a16:creationId xmlns:a16="http://schemas.microsoft.com/office/drawing/2014/main" id="{0AC50A44-C515-4311-9DB5-63CC72931FA8}"/>
+                </a:ext>
+              </a:extLst>
+            </p:cNvPr>
+            <p:cNvCxnSpPr/>
+            <p:nvPr/>
+          </p:nvCxnSpPr>
+          <p:spPr>
+            <a:xfrm>
+              <a:off x="880745" y="1106170"/>
+              <a:ext cx="10194290" cy="0"/>
+            </a:xfrm>
+            <a:prstGeom prst="line">
+              <a:avLst/>
+            </a:prstGeom>
+            <a:ln w="44450" cmpd="sng">
+              <a:solidFill>
+                <a:schemeClr val="tx1"/>
+              </a:solidFill>
+              <a:prstDash val="solid"/>
+            </a:ln>
+          </p:spPr>
+          <p:style>
+            <a:lnRef idx="3">
+              <a:schemeClr val="dk1"/>
+            </a:lnRef>
+            <a:fillRef idx="0">
+              <a:schemeClr val="dk1"/>
+            </a:fillRef>
+            <a:effectRef idx="2">
+              <a:schemeClr val="dk1"/>
+            </a:effectRef>
+            <a:fontRef idx="minor">
+              <a:schemeClr val="tx1"/>
+            </a:fontRef>
+          </p:style>
+        </p:cxnSp>
+      </p:grpSp>
+    </p:spTree>
+    <p:extLst>
+      <p:ext uri="{BB962C8B-B14F-4D97-AF65-F5344CB8AC3E}">
+        <p14:creationId xmlns:p14="http://schemas.microsoft.com/office/powerpoint/2010/main" val="2493961169"/>
+      </p:ext>
+    </p:extLst>
+  </p:cSld>
+  <p:clrMapOvr>
+    <a:masterClrMapping/>
+  </p:clrMapOvr>
+</p:sld>
+</file>
+
+<file path=ppt/slides/slide14.xml><?xml version="1.0" encoding="utf-8"?>
+<p:sld xmlns:a="http://schemas.openxmlformats.org/drawingml/2006/main" xmlns:r="http://schemas.openxmlformats.org/officeDocument/2006/relationships" xmlns:p="http://schemas.openxmlformats.org/presentationml/2006/main">
+  <p:cSld>
+    <p:spTree>
+      <p:nvGrpSpPr>
+        <p:cNvPr id="1" name=""/>
+        <p:cNvGrpSpPr/>
+        <p:nvPr/>
+      </p:nvGrpSpPr>
+      <p:grpSpPr>
+        <a:xfrm>
+          <a:off x="0" y="0"/>
+          <a:ext cx="0" cy="0"/>
+          <a:chOff x="0" y="0"/>
+          <a:chExt cx="0" cy="0"/>
+        </a:xfrm>
+      </p:grpSpPr>
+      <p:grpSp>
+        <p:nvGrpSpPr>
+          <p:cNvPr id="2" name="组合 1">
+            <a:extLst>
+              <a:ext uri="{FF2B5EF4-FFF2-40B4-BE49-F238E27FC236}">
+                <a16:creationId xmlns:a16="http://schemas.microsoft.com/office/drawing/2014/main" id="{4FC3AB96-D3B6-4161-925D-937DA28AAE2C}"/>
+              </a:ext>
+            </a:extLst>
+          </p:cNvPr>
+          <p:cNvGrpSpPr/>
+          <p:nvPr/>
+        </p:nvGrpSpPr>
+        <p:grpSpPr>
+          <a:xfrm>
+            <a:off x="749300" y="461010"/>
+            <a:ext cx="10587484" cy="1200329"/>
+            <a:chOff x="749300" y="461010"/>
+            <a:chExt cx="10325735" cy="1200329"/>
+          </a:xfrm>
+        </p:grpSpPr>
+        <p:sp>
+          <p:nvSpPr>
+            <p:cNvPr id="3" name="文本框 2">
+              <a:extLst>
+                <a:ext uri="{FF2B5EF4-FFF2-40B4-BE49-F238E27FC236}">
+                  <a16:creationId xmlns:a16="http://schemas.microsoft.com/office/drawing/2014/main" id="{47467A61-D338-4F22-B497-E8CBCF8B1EC2}"/>
+                </a:ext>
+              </a:extLst>
+            </p:cNvPr>
+            <p:cNvSpPr txBox="1"/>
+            <p:nvPr/>
+          </p:nvSpPr>
+          <p:spPr>
+            <a:xfrm>
+              <a:off x="749300" y="461010"/>
+              <a:ext cx="3031692" cy="1200329"/>
+            </a:xfrm>
+            <a:prstGeom prst="rect">
+              <a:avLst/>
+            </a:prstGeom>
+            <a:noFill/>
+          </p:spPr>
+          <p:txBody>
+            <a:bodyPr wrap="none" rtlCol="0">
+              <a:spAutoFit/>
+            </a:bodyPr>
+            <a:lstStyle/>
+            <a:p>
+              <a:r>
+                <a:rPr lang="en-US" altLang="zh-CN" sz="3600" b="1" dirty="0">
+                  <a:solidFill>
+                    <a:srgbClr val="FF0000"/>
+                  </a:solidFill>
+                </a:rPr>
+                <a:t>Cartographer </a:t>
+              </a:r>
+              <a:br>
+                <a:rPr lang="en-US" altLang="zh-CN" sz="3600" dirty="0"/>
+              </a:br>
+              <a:endParaRPr lang="en-US" altLang="zh-CN" sz="3600" b="1" dirty="0">
+                <a:solidFill>
+                  <a:srgbClr val="FF0000"/>
+                </a:solidFill>
+              </a:endParaRPr>
+            </a:p>
+          </p:txBody>
+        </p:sp>
+        <p:cxnSp>
+          <p:nvCxnSpPr>
+            <p:cNvPr id="4" name="直接连接符 3">
+              <a:extLst>
+                <a:ext uri="{FF2B5EF4-FFF2-40B4-BE49-F238E27FC236}">
+                  <a16:creationId xmlns:a16="http://schemas.microsoft.com/office/drawing/2014/main" id="{AF857E04-3D07-4572-9394-74E58242BFE4}"/>
+                </a:ext>
+              </a:extLst>
+            </p:cNvPr>
+            <p:cNvCxnSpPr/>
+            <p:nvPr/>
+          </p:nvCxnSpPr>
+          <p:spPr>
+            <a:xfrm>
+              <a:off x="880745" y="1106170"/>
+              <a:ext cx="10194290" cy="0"/>
+            </a:xfrm>
+            <a:prstGeom prst="line">
+              <a:avLst/>
+            </a:prstGeom>
+            <a:ln w="44450" cmpd="sng">
+              <a:solidFill>
+                <a:schemeClr val="tx1"/>
+              </a:solidFill>
+              <a:prstDash val="solid"/>
+            </a:ln>
+          </p:spPr>
+          <p:style>
+            <a:lnRef idx="3">
+              <a:schemeClr val="dk1"/>
+            </a:lnRef>
+            <a:fillRef idx="0">
+              <a:schemeClr val="dk1"/>
+            </a:fillRef>
+            <a:effectRef idx="2">
+              <a:schemeClr val="dk1"/>
+            </a:effectRef>
+            <a:fontRef idx="minor">
+              <a:schemeClr val="tx1"/>
+            </a:fontRef>
+          </p:style>
+        </p:cxnSp>
+      </p:grpSp>
+      <p:sp>
+        <p:nvSpPr>
+          <p:cNvPr id="5" name="矩形 4">
+            <a:extLst>
+              <a:ext uri="{FF2B5EF4-FFF2-40B4-BE49-F238E27FC236}">
+                <a16:creationId xmlns:a16="http://schemas.microsoft.com/office/drawing/2014/main" id="{D4E8B563-6D8E-48D2-87DF-AC36C08ECE9B}"/>
+              </a:ext>
+            </a:extLst>
+          </p:cNvPr>
+          <p:cNvSpPr/>
+          <p:nvPr/>
+        </p:nvSpPr>
+        <p:spPr>
+          <a:xfrm>
+            <a:off x="749300" y="1476673"/>
+            <a:ext cx="2717411" cy="369332"/>
+          </a:xfrm>
+          <a:prstGeom prst="rect">
+            <a:avLst/>
+          </a:prstGeom>
+        </p:spPr>
+        <p:txBody>
+          <a:bodyPr wrap="none">
+            <a:spAutoFit/>
+          </a:bodyPr>
+          <a:lstStyle/>
+          <a:p>
+            <a:r>
+              <a:rPr lang="en-US" altLang="zh-CN" i="1" dirty="0" err="1">
+                <a:latin typeface="Consolas" panose="020B0609020204030204" pitchFamily="49" charset="0"/>
+              </a:rPr>
+              <a:t>XYIndexRangeIterator</a:t>
+            </a:r>
+            <a:endParaRPr lang="en-US" altLang="zh-CN" b="0" dirty="0">
+              <a:effectLst/>
+              <a:latin typeface="Consolas" panose="020B0609020204030204" pitchFamily="49" charset="0"/>
+            </a:endParaRPr>
+          </a:p>
+        </p:txBody>
+      </p:sp>
+      <p:graphicFrame>
+        <p:nvGraphicFramePr>
+          <p:cNvPr id="8" name="对象 7">
+            <a:extLst>
+              <a:ext uri="{FF2B5EF4-FFF2-40B4-BE49-F238E27FC236}">
+                <a16:creationId xmlns:a16="http://schemas.microsoft.com/office/drawing/2014/main" id="{842796D7-63CB-4E15-8DCF-FEB83B83FBD1}"/>
+              </a:ext>
+            </a:extLst>
+          </p:cNvPr>
+          <p:cNvGraphicFramePr>
+            <a:graphicFrameLocks noChangeAspect="1"/>
+          </p:cNvGraphicFramePr>
+          <p:nvPr>
+            <p:extLst>
+              <p:ext uri="{D42A27DB-BD31-4B8C-83A1-F6EECF244321}">
+                <p14:modId xmlns:p14="http://schemas.microsoft.com/office/powerpoint/2010/main" val="3308647895"/>
+              </p:ext>
+            </p:extLst>
+          </p:nvPr>
+        </p:nvGraphicFramePr>
+        <p:xfrm>
+          <a:off x="2179422" y="1803836"/>
+          <a:ext cx="6937375" cy="4062413"/>
+        </p:xfrm>
+        <a:graphic>
+          <a:graphicData uri="http://schemas.openxmlformats.org/presentationml/2006/ole">
+            <mc:AlternateContent xmlns:mc="http://schemas.openxmlformats.org/markup-compatibility/2006">
+              <mc:Choice xmlns:v="urn:schemas-microsoft-com:vml" Requires="v">
+                <p:oleObj spid="_x0000_s9223" name="AxGlyph" r:id="rId3" imgW="370800" imgH="216720" progId="AxGlyph.Document">
+                  <p:embed/>
+                </p:oleObj>
+              </mc:Choice>
+              <mc:Fallback>
+                <p:oleObj name="AxGlyph" r:id="rId3" imgW="370800" imgH="216720" progId="AxGlyph.Document">
+                  <p:embed/>
+                  <p:pic>
+                    <p:nvPicPr>
+                      <p:cNvPr id="0" name=""/>
+                      <p:cNvPicPr/>
+                      <p:nvPr/>
+                    </p:nvPicPr>
+                    <p:blipFill>
+                      <a:blip r:embed="rId4"/>
+                      <a:stretch>
+                        <a:fillRect/>
+                      </a:stretch>
+                    </p:blipFill>
+                    <p:spPr>
+                      <a:xfrm>
+                        <a:off x="2179422" y="1803836"/>
+                        <a:ext cx="6937375" cy="4062413"/>
+                      </a:xfrm>
+                      <a:prstGeom prst="rect">
+                        <a:avLst/>
+                      </a:prstGeom>
+                    </p:spPr>
+                  </p:pic>
+                </p:oleObj>
+              </mc:Fallback>
+            </mc:AlternateContent>
+          </a:graphicData>
+        </a:graphic>
+      </p:graphicFrame>
+    </p:spTree>
+    <p:extLst>
+      <p:ext uri="{BB962C8B-B14F-4D97-AF65-F5344CB8AC3E}">
+        <p14:creationId xmlns:p14="http://schemas.microsoft.com/office/powerpoint/2010/main" val="1133062001"/>
+      </p:ext>
+    </p:extLst>
+  </p:cSld>
+  <p:clrMapOvr>
+    <a:masterClrMapping/>
+  </p:clrMapOvr>
+</p:sld>
+</file>
+
+<file path=ppt/slides/slide15.xml><?xml version="1.0" encoding="utf-8"?>
+<p:sld xmlns:a="http://schemas.openxmlformats.org/drawingml/2006/main" xmlns:r="http://schemas.openxmlformats.org/officeDocument/2006/relationships" xmlns:p="http://schemas.openxmlformats.org/presentationml/2006/main">
+  <p:cSld>
+    <p:spTree>
+      <p:nvGrpSpPr>
+        <p:cNvPr id="1" name=""/>
+        <p:cNvGrpSpPr/>
+        <p:nvPr/>
+      </p:nvGrpSpPr>
+      <p:grpSpPr>
+        <a:xfrm>
+          <a:off x="0" y="0"/>
+          <a:ext cx="0" cy="0"/>
+          <a:chOff x="0" y="0"/>
+          <a:chExt cx="0" cy="0"/>
+        </a:xfrm>
+      </p:grpSpPr>
+      <p:grpSp>
+        <p:nvGrpSpPr>
+          <p:cNvPr id="2" name="组合 1">
+            <a:extLst>
+              <a:ext uri="{FF2B5EF4-FFF2-40B4-BE49-F238E27FC236}">
+                <a16:creationId xmlns:a16="http://schemas.microsoft.com/office/drawing/2014/main" id="{4FC3AB96-D3B6-4161-925D-937DA28AAE2C}"/>
+              </a:ext>
+            </a:extLst>
+          </p:cNvPr>
+          <p:cNvGrpSpPr/>
+          <p:nvPr/>
+        </p:nvGrpSpPr>
+        <p:grpSpPr>
+          <a:xfrm>
+            <a:off x="749300" y="461010"/>
+            <a:ext cx="10587484" cy="1200329"/>
+            <a:chOff x="749300" y="461010"/>
+            <a:chExt cx="10325735" cy="1200329"/>
+          </a:xfrm>
+        </p:grpSpPr>
+        <p:sp>
+          <p:nvSpPr>
+            <p:cNvPr id="3" name="文本框 2">
+              <a:extLst>
+                <a:ext uri="{FF2B5EF4-FFF2-40B4-BE49-F238E27FC236}">
+                  <a16:creationId xmlns:a16="http://schemas.microsoft.com/office/drawing/2014/main" id="{47467A61-D338-4F22-B497-E8CBCF8B1EC2}"/>
+                </a:ext>
+              </a:extLst>
+            </p:cNvPr>
+            <p:cNvSpPr txBox="1"/>
+            <p:nvPr/>
+          </p:nvSpPr>
+          <p:spPr>
+            <a:xfrm>
+              <a:off x="749300" y="461010"/>
+              <a:ext cx="3031692" cy="1200329"/>
+            </a:xfrm>
+            <a:prstGeom prst="rect">
+              <a:avLst/>
+            </a:prstGeom>
+            <a:noFill/>
+          </p:spPr>
+          <p:txBody>
+            <a:bodyPr wrap="none" rtlCol="0">
+              <a:spAutoFit/>
+            </a:bodyPr>
+            <a:lstStyle/>
+            <a:p>
+              <a:r>
+                <a:rPr lang="en-US" altLang="zh-CN" sz="3600" b="1" dirty="0">
+                  <a:solidFill>
+                    <a:srgbClr val="FF0000"/>
+                  </a:solidFill>
+                </a:rPr>
+                <a:t>Cartographer </a:t>
+              </a:r>
+              <a:br>
+                <a:rPr lang="en-US" altLang="zh-CN" sz="3600" dirty="0"/>
+              </a:br>
+              <a:endParaRPr lang="en-US" altLang="zh-CN" sz="3600" b="1" dirty="0">
+                <a:solidFill>
+                  <a:srgbClr val="FF0000"/>
+                </a:solidFill>
+              </a:endParaRPr>
+            </a:p>
+          </p:txBody>
+        </p:sp>
+        <p:cxnSp>
+          <p:nvCxnSpPr>
+            <p:cNvPr id="4" name="直接连接符 3">
+              <a:extLst>
+                <a:ext uri="{FF2B5EF4-FFF2-40B4-BE49-F238E27FC236}">
+                  <a16:creationId xmlns:a16="http://schemas.microsoft.com/office/drawing/2014/main" id="{AF857E04-3D07-4572-9394-74E58242BFE4}"/>
+                </a:ext>
+              </a:extLst>
+            </p:cNvPr>
+            <p:cNvCxnSpPr/>
+            <p:nvPr/>
+          </p:nvCxnSpPr>
+          <p:spPr>
+            <a:xfrm>
+              <a:off x="880745" y="1106170"/>
+              <a:ext cx="10194290" cy="0"/>
+            </a:xfrm>
+            <a:prstGeom prst="line">
+              <a:avLst/>
+            </a:prstGeom>
+            <a:ln w="44450" cmpd="sng">
+              <a:solidFill>
+                <a:schemeClr val="tx1"/>
+              </a:solidFill>
+              <a:prstDash val="solid"/>
+            </a:ln>
+          </p:spPr>
+          <p:style>
+            <a:lnRef idx="3">
+              <a:schemeClr val="dk1"/>
+            </a:lnRef>
+            <a:fillRef idx="0">
+              <a:schemeClr val="dk1"/>
+            </a:fillRef>
+            <a:effectRef idx="2">
+              <a:schemeClr val="dk1"/>
+            </a:effectRef>
+            <a:fontRef idx="minor">
+              <a:schemeClr val="tx1"/>
+            </a:fontRef>
+          </p:style>
+        </p:cxnSp>
+      </p:grpSp>
+      <p:sp>
+        <p:nvSpPr>
+          <p:cNvPr id="5" name="矩形 4">
+            <a:extLst>
+              <a:ext uri="{FF2B5EF4-FFF2-40B4-BE49-F238E27FC236}">
+                <a16:creationId xmlns:a16="http://schemas.microsoft.com/office/drawing/2014/main" id="{D4E8B563-6D8E-48D2-87DF-AC36C08ECE9B}"/>
+              </a:ext>
+            </a:extLst>
+          </p:cNvPr>
+          <p:cNvSpPr/>
+          <p:nvPr/>
+        </p:nvSpPr>
+        <p:spPr>
+          <a:xfrm>
+            <a:off x="749300" y="1476673"/>
+            <a:ext cx="2717411" cy="369332"/>
+          </a:xfrm>
+          <a:prstGeom prst="rect">
+            <a:avLst/>
+          </a:prstGeom>
+        </p:spPr>
+        <p:txBody>
+          <a:bodyPr wrap="none">
+            <a:spAutoFit/>
+          </a:bodyPr>
+          <a:lstStyle/>
+          <a:p>
+            <a:r>
+              <a:rPr lang="en-US" altLang="zh-CN" i="1" dirty="0" err="1">
+                <a:latin typeface="Consolas" panose="020B0609020204030204" pitchFamily="49" charset="0"/>
+              </a:rPr>
+              <a:t>XYIndexRangeIterator</a:t>
+            </a:r>
+            <a:endParaRPr lang="en-US" altLang="zh-CN" b="0" dirty="0">
+              <a:effectLst/>
+              <a:latin typeface="Consolas" panose="020B0609020204030204" pitchFamily="49" charset="0"/>
+            </a:endParaRPr>
+          </a:p>
+        </p:txBody>
+      </p:sp>
+      <p:graphicFrame>
+        <p:nvGraphicFramePr>
+          <p:cNvPr id="8" name="对象 7">
+            <a:extLst>
+              <a:ext uri="{FF2B5EF4-FFF2-40B4-BE49-F238E27FC236}">
+                <a16:creationId xmlns:a16="http://schemas.microsoft.com/office/drawing/2014/main" id="{842796D7-63CB-4E15-8DCF-FEB83B83FBD1}"/>
+              </a:ext>
+            </a:extLst>
+          </p:cNvPr>
+          <p:cNvGraphicFramePr>
+            <a:graphicFrameLocks noChangeAspect="1"/>
+          </p:cNvGraphicFramePr>
+          <p:nvPr>
+            <p:extLst>
+              <p:ext uri="{D42A27DB-BD31-4B8C-83A1-F6EECF244321}">
+                <p14:modId xmlns:p14="http://schemas.microsoft.com/office/powerpoint/2010/main" val="1206929765"/>
+              </p:ext>
+            </p:extLst>
+          </p:nvPr>
+        </p:nvGraphicFramePr>
+        <p:xfrm>
+          <a:off x="7591119" y="2201676"/>
+          <a:ext cx="3716804" cy="2305067"/>
+        </p:xfrm>
+        <a:graphic>
+          <a:graphicData uri="http://schemas.openxmlformats.org/presentationml/2006/ole">
+            <mc:AlternateContent xmlns:mc="http://schemas.openxmlformats.org/markup-compatibility/2006">
+              <mc:Choice xmlns:v="urn:schemas-microsoft-com:vml" Requires="v">
+                <p:oleObj spid="_x0000_s10244" name="AxGlyph" r:id="rId3" imgW="205200" imgH="127440" progId="AxGlyph.Document">
+                  <p:embed/>
+                </p:oleObj>
+              </mc:Choice>
+              <mc:Fallback>
+                <p:oleObj name="AxGlyph" r:id="rId3" imgW="205200" imgH="127440" progId="AxGlyph.Document">
+                  <p:embed/>
+                  <p:pic>
+                    <p:nvPicPr>
+                      <p:cNvPr id="8" name="对象 7">
+                        <a:extLst>
+                          <a:ext uri="{FF2B5EF4-FFF2-40B4-BE49-F238E27FC236}">
+                            <a16:creationId xmlns:a16="http://schemas.microsoft.com/office/drawing/2014/main" id="{842796D7-63CB-4E15-8DCF-FEB83B83FBD1}"/>
+                          </a:ext>
+                        </a:extLst>
+                      </p:cNvPr>
+                      <p:cNvPicPr/>
+                      <p:nvPr/>
+                    </p:nvPicPr>
+                    <p:blipFill>
+                      <a:blip r:embed="rId4"/>
+                      <a:stretch>
+                        <a:fillRect/>
+                      </a:stretch>
+                    </p:blipFill>
+                    <p:spPr>
+                      <a:xfrm>
+                        <a:off x="7591119" y="2201676"/>
+                        <a:ext cx="3716804" cy="2305067"/>
+                      </a:xfrm>
+                      <a:prstGeom prst="rect">
+                        <a:avLst/>
+                      </a:prstGeom>
+                    </p:spPr>
+                  </p:pic>
+                </p:oleObj>
+              </mc:Fallback>
+            </mc:AlternateContent>
+          </a:graphicData>
+        </a:graphic>
+      </p:graphicFrame>
+      <p:pic>
+        <p:nvPicPr>
+          <p:cNvPr id="6" name="图片 5">
+            <a:extLst>
+              <a:ext uri="{FF2B5EF4-FFF2-40B4-BE49-F238E27FC236}">
+                <a16:creationId xmlns:a16="http://schemas.microsoft.com/office/drawing/2014/main" id="{38FD99CD-F570-42B2-B395-799D46A224D7}"/>
+              </a:ext>
+            </a:extLst>
+          </p:cNvPr>
+          <p:cNvPicPr>
+            <a:picLocks noChangeAspect="1"/>
+          </p:cNvPicPr>
+          <p:nvPr/>
+        </p:nvPicPr>
+        <p:blipFill>
+          <a:blip r:embed="rId5"/>
+          <a:stretch>
+            <a:fillRect/>
+          </a:stretch>
+        </p:blipFill>
+        <p:spPr>
+          <a:xfrm>
+            <a:off x="884077" y="1883735"/>
+            <a:ext cx="6324600" cy="4238625"/>
+          </a:xfrm>
+          <a:prstGeom prst="rect">
+            <a:avLst/>
+          </a:prstGeom>
+        </p:spPr>
+      </p:pic>
+    </p:spTree>
+    <p:extLst>
+      <p:ext uri="{BB962C8B-B14F-4D97-AF65-F5344CB8AC3E}">
+        <p14:creationId xmlns:p14="http://schemas.microsoft.com/office/powerpoint/2010/main" val="411812292"/>
+      </p:ext>
+    </p:extLst>
+  </p:cSld>
+  <p:clrMapOvr>
+    <a:masterClrMapping/>
+  </p:clrMapOvr>
+</p:sld>
+</file>
+
+<file path=ppt/slides/slide16.xml><?xml version="1.0" encoding="utf-8"?>
+<p:sld xmlns:a="http://schemas.openxmlformats.org/drawingml/2006/main" xmlns:r="http://schemas.openxmlformats.org/officeDocument/2006/relationships" xmlns:p="http://schemas.openxmlformats.org/presentationml/2006/main">
+  <p:cSld>
+    <p:spTree>
+      <p:nvGrpSpPr>
+        <p:cNvPr id="1" name=""/>
+        <p:cNvGrpSpPr/>
+        <p:nvPr/>
+      </p:nvGrpSpPr>
+      <p:grpSpPr>
+        <a:xfrm>
+          <a:off x="0" y="0"/>
+          <a:ext cx="0" cy="0"/>
+          <a:chOff x="0" y="0"/>
+          <a:chExt cx="0" cy="0"/>
+        </a:xfrm>
+      </p:grpSpPr>
+    </p:spTree>
+    <p:extLst>
+      <p:ext uri="{BB962C8B-B14F-4D97-AF65-F5344CB8AC3E}">
+        <p14:creationId xmlns:p14="http://schemas.microsoft.com/office/powerpoint/2010/main" val="2769243134"/>
+      </p:ext>
+    </p:extLst>
+  </p:cSld>
+  <p:clrMapOvr>
+    <a:masterClrMapping/>
+  </p:clrMapOvr>
+</p:sld>
+</file>
+
 <file path=ppt/slides/slide2.xml><?xml version="1.0" encoding="utf-8"?>
 <p:sld xmlns:a="http://schemas.openxmlformats.org/drawingml/2006/main" xmlns:r="http://schemas.openxmlformats.org/officeDocument/2006/relationships" xmlns:p="http://schemas.openxmlformats.org/presentationml/2006/main">
   <p:cSld>
@@ -5098,7 +5799,7 @@
           <a:graphicData uri="http://schemas.openxmlformats.org/presentationml/2006/ole">
             <mc:AlternateContent xmlns:mc="http://schemas.openxmlformats.org/markup-compatibility/2006">
               <mc:Choice xmlns:v="urn:schemas-microsoft-com:vml" Requires="v">
-                <p:oleObj spid="_x0000_s2064" name="AxMath" r:id="rId3" imgW="126000" imgH="227880" progId="Equation.AxMath">
+                <p:oleObj spid="_x0000_s2080" name="AxMath" r:id="rId3" imgW="126000" imgH="227880" progId="Equation.AxMath">
                   <p:embed/>
                 </p:oleObj>
               </mc:Choice>
@@ -5161,7 +5862,7 @@
           <a:graphicData uri="http://schemas.openxmlformats.org/presentationml/2006/ole">
             <mc:AlternateContent xmlns:mc="http://schemas.openxmlformats.org/markup-compatibility/2006">
               <mc:Choice xmlns:v="urn:schemas-microsoft-com:vml" Requires="v">
-                <p:oleObj spid="_x0000_s2065" name="AxMath" r:id="rId5" imgW="1063440" imgH="881640" progId="Equation.AxMath">
+                <p:oleObj spid="_x0000_s2081" name="AxMath" r:id="rId5" imgW="1063440" imgH="881640" progId="Equation.AxMath">
                   <p:embed/>
                 </p:oleObj>
               </mc:Choice>
@@ -5566,7 +6267,7 @@
           <a:graphicData uri="http://schemas.openxmlformats.org/presentationml/2006/ole">
             <mc:AlternateContent xmlns:mc="http://schemas.openxmlformats.org/markup-compatibility/2006">
               <mc:Choice xmlns:v="urn:schemas-microsoft-com:vml" Requires="v">
-                <p:oleObj spid="_x0000_s3079" name="AxMath" r:id="rId4" imgW="1037160" imgH="816480" progId="Equation.AxMath">
+                <p:oleObj spid="_x0000_s3087" name="AxMath" r:id="rId4" imgW="1037160" imgH="816480" progId="Equation.AxMath">
                   <p:embed/>
                 </p:oleObj>
               </mc:Choice>
@@ -5886,7 +6587,7 @@
           <a:graphicData uri="http://schemas.openxmlformats.org/presentationml/2006/ole">
             <mc:AlternateContent xmlns:mc="http://schemas.openxmlformats.org/markup-compatibility/2006">
               <mc:Choice xmlns:v="urn:schemas-microsoft-com:vml" Requires="v">
-                <p:oleObj spid="_x0000_s4102" name="AxMath" r:id="rId3" imgW="2643120" imgH="668520" progId="Equation.AxMath">
+                <p:oleObj spid="_x0000_s4110" name="AxMath" r:id="rId3" imgW="2643120" imgH="668520" progId="Equation.AxMath">
                   <p:embed/>
                 </p:oleObj>
               </mc:Choice>
@@ -6277,7 +6978,7 @@
           <a:graphicData uri="http://schemas.openxmlformats.org/presentationml/2006/ole">
             <mc:AlternateContent xmlns:mc="http://schemas.openxmlformats.org/markup-compatibility/2006">
               <mc:Choice xmlns:v="urn:schemas-microsoft-com:vml" Requires="v">
-                <p:oleObj spid="_x0000_s5129" name="AxMath" r:id="rId3" imgW="1412640" imgH="486000" progId="Equation.AxMath">
+                <p:oleObj spid="_x0000_s5145" name="AxMath" r:id="rId3" imgW="1412640" imgH="486000" progId="Equation.AxMath">
                   <p:embed/>
                 </p:oleObj>
               </mc:Choice>
@@ -6376,7 +7077,7 @@
           <a:graphicData uri="http://schemas.openxmlformats.org/presentationml/2006/ole">
             <mc:AlternateContent xmlns:mc="http://schemas.openxmlformats.org/markup-compatibility/2006">
               <mc:Choice xmlns:v="urn:schemas-microsoft-com:vml" Requires="v">
-                <p:oleObj spid="_x0000_s5130" name="AxMath" r:id="rId6" imgW="557640" imgH="227880" progId="Equation.AxMath">
+                <p:oleObj spid="_x0000_s5146" name="AxMath" r:id="rId6" imgW="557640" imgH="227880" progId="Equation.AxMath">
                   <p:embed/>
                 </p:oleObj>
               </mc:Choice>
@@ -6880,7 +7581,7 @@
           <a:graphicData uri="http://schemas.openxmlformats.org/presentationml/2006/ole">
             <mc:AlternateContent xmlns:mc="http://schemas.openxmlformats.org/markup-compatibility/2006">
               <mc:Choice xmlns:v="urn:schemas-microsoft-com:vml" Requires="v">
-                <p:oleObj spid="_x0000_s6148" name="AxMath" r:id="rId3" imgW="1645200" imgH="881640" progId="Equation.AxMath">
+                <p:oleObj spid="_x0000_s6156" name="AxMath" r:id="rId3" imgW="1645200" imgH="881640" progId="Equation.AxMath">
                   <p:embed/>
                 </p:oleObj>
               </mc:Choice>
@@ -7224,7 +7925,7 @@
           <a:graphicData uri="http://schemas.openxmlformats.org/presentationml/2006/ole">
             <mc:AlternateContent xmlns:mc="http://schemas.openxmlformats.org/markup-compatibility/2006">
               <mc:Choice xmlns:v="urn:schemas-microsoft-com:vml" Requires="v">
-                <p:oleObj spid="_x0000_s7172" name="AxMath" r:id="rId3" imgW="1645200" imgH="881640" progId="Equation.AxMath">
+                <p:oleObj spid="_x0000_s7180" name="AxMath" r:id="rId3" imgW="1645200" imgH="881640" progId="Equation.AxMath">
                   <p:embed/>
                 </p:oleObj>
               </mc:Choice>
@@ -7552,7 +8253,7 @@
           <a:graphicData uri="http://schemas.openxmlformats.org/presentationml/2006/ole">
             <mc:AlternateContent xmlns:mc="http://schemas.openxmlformats.org/markup-compatibility/2006">
               <mc:Choice xmlns:v="urn:schemas-microsoft-com:vml" Requires="v">
-                <p:oleObj spid="_x0000_s8195" name="AxMath" r:id="rId3" imgW="1645200" imgH="881640" progId="Equation.AxMath">
+                <p:oleObj spid="_x0000_s8203" name="AxMath" r:id="rId3" imgW="1645200" imgH="881640" progId="Equation.AxMath">
                   <p:embed/>
                 </p:oleObj>
               </mc:Choice>
